--- a/Documentos/Presentación Proyecto DomoticMood.pptx
+++ b/Documentos/Presentación Proyecto DomoticMood.pptx
@@ -114,6 +114,11 @@
       </a:defRPr>
     </a:lvl9pPr>
   </p:defaultTextStyle>
+  <p:extLst>
+    <p:ext uri="{EFAFB233-063F-42B5-8137-9DF3F51BA10A}">
+      <p15:sldGuideLst xmlns:p15="http://schemas.microsoft.com/office/powerpoint/2012/main"/>
+    </p:ext>
+  </p:extLst>
 </p:presentation>
 </file>
 
@@ -266,7 +271,7 @@
           <a:p>
             <a:fld id="{F093CB79-0A26-4C14-9FB4-B444689E623E}" type="datetimeFigureOut">
               <a:rPr lang="es-AR" smtClean="0"/>
-              <a:t>29/6/2022</a:t>
+              <a:t>30/6/2022</a:t>
             </a:fld>
             <a:endParaRPr lang="es-AR"/>
           </a:p>
@@ -320,7 +325,7 @@
           <a:p>
             <a:fld id="{5EB22FDF-985C-4DD8-9043-1BE7274201B0}" type="slidenum">
               <a:rPr lang="es-AR" smtClean="0"/>
-              <a:t>‹Nº›</a:t>
+              <a:t>‹#›</a:t>
             </a:fld>
             <a:endParaRPr lang="es-AR"/>
           </a:p>
@@ -466,7 +471,7 @@
           <a:p>
             <a:fld id="{F093CB79-0A26-4C14-9FB4-B444689E623E}" type="datetimeFigureOut">
               <a:rPr lang="es-AR" smtClean="0"/>
-              <a:t>29/6/2022</a:t>
+              <a:t>30/6/2022</a:t>
             </a:fld>
             <a:endParaRPr lang="es-AR"/>
           </a:p>
@@ -520,7 +525,7 @@
           <a:p>
             <a:fld id="{5EB22FDF-985C-4DD8-9043-1BE7274201B0}" type="slidenum">
               <a:rPr lang="es-AR" smtClean="0"/>
-              <a:t>‹Nº›</a:t>
+              <a:t>‹#›</a:t>
             </a:fld>
             <a:endParaRPr lang="es-AR"/>
           </a:p>
@@ -676,7 +681,7 @@
           <a:p>
             <a:fld id="{F093CB79-0A26-4C14-9FB4-B444689E623E}" type="datetimeFigureOut">
               <a:rPr lang="es-AR" smtClean="0"/>
-              <a:t>29/6/2022</a:t>
+              <a:t>30/6/2022</a:t>
             </a:fld>
             <a:endParaRPr lang="es-AR"/>
           </a:p>
@@ -730,7 +735,7 @@
           <a:p>
             <a:fld id="{5EB22FDF-985C-4DD8-9043-1BE7274201B0}" type="slidenum">
               <a:rPr lang="es-AR" smtClean="0"/>
-              <a:t>‹Nº›</a:t>
+              <a:t>‹#›</a:t>
             </a:fld>
             <a:endParaRPr lang="es-AR"/>
           </a:p>
@@ -876,7 +881,7 @@
           <a:p>
             <a:fld id="{F093CB79-0A26-4C14-9FB4-B444689E623E}" type="datetimeFigureOut">
               <a:rPr lang="es-AR" smtClean="0"/>
-              <a:t>29/6/2022</a:t>
+              <a:t>30/6/2022</a:t>
             </a:fld>
             <a:endParaRPr lang="es-AR"/>
           </a:p>
@@ -930,7 +935,7 @@
           <a:p>
             <a:fld id="{5EB22FDF-985C-4DD8-9043-1BE7274201B0}" type="slidenum">
               <a:rPr lang="es-AR" smtClean="0"/>
-              <a:t>‹Nº›</a:t>
+              <a:t>‹#›</a:t>
             </a:fld>
             <a:endParaRPr lang="es-AR"/>
           </a:p>
@@ -1152,7 +1157,7 @@
           <a:p>
             <a:fld id="{F093CB79-0A26-4C14-9FB4-B444689E623E}" type="datetimeFigureOut">
               <a:rPr lang="es-AR" smtClean="0"/>
-              <a:t>29/6/2022</a:t>
+              <a:t>30/6/2022</a:t>
             </a:fld>
             <a:endParaRPr lang="es-AR"/>
           </a:p>
@@ -1206,7 +1211,7 @@
           <a:p>
             <a:fld id="{5EB22FDF-985C-4DD8-9043-1BE7274201B0}" type="slidenum">
               <a:rPr lang="es-AR" smtClean="0"/>
-              <a:t>‹Nº›</a:t>
+              <a:t>‹#›</a:t>
             </a:fld>
             <a:endParaRPr lang="es-AR"/>
           </a:p>
@@ -1420,7 +1425,7 @@
           <a:p>
             <a:fld id="{F093CB79-0A26-4C14-9FB4-B444689E623E}" type="datetimeFigureOut">
               <a:rPr lang="es-AR" smtClean="0"/>
-              <a:t>29/6/2022</a:t>
+              <a:t>30/6/2022</a:t>
             </a:fld>
             <a:endParaRPr lang="es-AR"/>
           </a:p>
@@ -1474,7 +1479,7 @@
           <a:p>
             <a:fld id="{5EB22FDF-985C-4DD8-9043-1BE7274201B0}" type="slidenum">
               <a:rPr lang="es-AR" smtClean="0"/>
-              <a:t>‹Nº›</a:t>
+              <a:t>‹#›</a:t>
             </a:fld>
             <a:endParaRPr lang="es-AR"/>
           </a:p>
@@ -1835,7 +1840,7 @@
           <a:p>
             <a:fld id="{F093CB79-0A26-4C14-9FB4-B444689E623E}" type="datetimeFigureOut">
               <a:rPr lang="es-AR" smtClean="0"/>
-              <a:t>29/6/2022</a:t>
+              <a:t>30/6/2022</a:t>
             </a:fld>
             <a:endParaRPr lang="es-AR"/>
           </a:p>
@@ -1889,7 +1894,7 @@
           <a:p>
             <a:fld id="{5EB22FDF-985C-4DD8-9043-1BE7274201B0}" type="slidenum">
               <a:rPr lang="es-AR" smtClean="0"/>
-              <a:t>‹Nº›</a:t>
+              <a:t>‹#›</a:t>
             </a:fld>
             <a:endParaRPr lang="es-AR"/>
           </a:p>
@@ -1977,7 +1982,7 @@
           <a:p>
             <a:fld id="{F093CB79-0A26-4C14-9FB4-B444689E623E}" type="datetimeFigureOut">
               <a:rPr lang="es-AR" smtClean="0"/>
-              <a:t>29/6/2022</a:t>
+              <a:t>30/6/2022</a:t>
             </a:fld>
             <a:endParaRPr lang="es-AR"/>
           </a:p>
@@ -2031,7 +2036,7 @@
           <a:p>
             <a:fld id="{5EB22FDF-985C-4DD8-9043-1BE7274201B0}" type="slidenum">
               <a:rPr lang="es-AR" smtClean="0"/>
-              <a:t>‹Nº›</a:t>
+              <a:t>‹#›</a:t>
             </a:fld>
             <a:endParaRPr lang="es-AR"/>
           </a:p>
@@ -2090,7 +2095,7 @@
           <a:p>
             <a:fld id="{F093CB79-0A26-4C14-9FB4-B444689E623E}" type="datetimeFigureOut">
               <a:rPr lang="es-AR" smtClean="0"/>
-              <a:t>29/6/2022</a:t>
+              <a:t>30/6/2022</a:t>
             </a:fld>
             <a:endParaRPr lang="es-AR"/>
           </a:p>
@@ -2144,7 +2149,7 @@
           <a:p>
             <a:fld id="{5EB22FDF-985C-4DD8-9043-1BE7274201B0}" type="slidenum">
               <a:rPr lang="es-AR" smtClean="0"/>
-              <a:t>‹Nº›</a:t>
+              <a:t>‹#›</a:t>
             </a:fld>
             <a:endParaRPr lang="es-AR"/>
           </a:p>
@@ -2403,7 +2408,7 @@
           <a:p>
             <a:fld id="{F093CB79-0A26-4C14-9FB4-B444689E623E}" type="datetimeFigureOut">
               <a:rPr lang="es-AR" smtClean="0"/>
-              <a:t>29/6/2022</a:t>
+              <a:t>30/6/2022</a:t>
             </a:fld>
             <a:endParaRPr lang="es-AR"/>
           </a:p>
@@ -2457,7 +2462,7 @@
           <a:p>
             <a:fld id="{5EB22FDF-985C-4DD8-9043-1BE7274201B0}" type="slidenum">
               <a:rPr lang="es-AR" smtClean="0"/>
-              <a:t>‹Nº›</a:t>
+              <a:t>‹#›</a:t>
             </a:fld>
             <a:endParaRPr lang="es-AR"/>
           </a:p>
@@ -2692,7 +2697,7 @@
           <a:p>
             <a:fld id="{F093CB79-0A26-4C14-9FB4-B444689E623E}" type="datetimeFigureOut">
               <a:rPr lang="es-AR" smtClean="0"/>
-              <a:t>29/6/2022</a:t>
+              <a:t>30/6/2022</a:t>
             </a:fld>
             <a:endParaRPr lang="es-AR"/>
           </a:p>
@@ -2746,7 +2751,7 @@
           <a:p>
             <a:fld id="{5EB22FDF-985C-4DD8-9043-1BE7274201B0}" type="slidenum">
               <a:rPr lang="es-AR" smtClean="0"/>
-              <a:t>‹Nº›</a:t>
+              <a:t>‹#›</a:t>
             </a:fld>
             <a:endParaRPr lang="es-AR"/>
           </a:p>
@@ -2935,7 +2940,7 @@
           <a:p>
             <a:fld id="{F093CB79-0A26-4C14-9FB4-B444689E623E}" type="datetimeFigureOut">
               <a:rPr lang="es-AR" smtClean="0"/>
-              <a:t>29/6/2022</a:t>
+              <a:t>30/6/2022</a:t>
             </a:fld>
             <a:endParaRPr lang="es-AR"/>
           </a:p>
@@ -3025,7 +3030,7 @@
           <a:p>
             <a:fld id="{5EB22FDF-985C-4DD8-9043-1BE7274201B0}" type="slidenum">
               <a:rPr lang="es-AR" smtClean="0"/>
-              <a:t>‹Nº›</a:t>
+              <a:t>‹#›</a:t>
             </a:fld>
             <a:endParaRPr lang="es-AR"/>
           </a:p>

--- a/Documentos/Presentación Proyecto DomoticMood.pptx
+++ b/Documentos/Presentación Proyecto DomoticMood.pptx
@@ -9,8 +9,8 @@
     <p:sldId id="257" r:id="rId3"/>
     <p:sldId id="258" r:id="rId4"/>
     <p:sldId id="260" r:id="rId5"/>
-    <p:sldId id="265" r:id="rId6"/>
-    <p:sldId id="262" r:id="rId7"/>
+    <p:sldId id="262" r:id="rId6"/>
+    <p:sldId id="265" r:id="rId7"/>
     <p:sldId id="261" r:id="rId8"/>
     <p:sldId id="263" r:id="rId9"/>
     <p:sldId id="264" r:id="rId10"/>
@@ -271,7 +271,7 @@
           <a:p>
             <a:fld id="{F093CB79-0A26-4C14-9FB4-B444689E623E}" type="datetimeFigureOut">
               <a:rPr lang="es-AR" smtClean="0"/>
-              <a:t>30/6/2022</a:t>
+              <a:t>6/7/2022</a:t>
             </a:fld>
             <a:endParaRPr lang="es-AR"/>
           </a:p>
@@ -471,7 +471,7 @@
           <a:p>
             <a:fld id="{F093CB79-0A26-4C14-9FB4-B444689E623E}" type="datetimeFigureOut">
               <a:rPr lang="es-AR" smtClean="0"/>
-              <a:t>30/6/2022</a:t>
+              <a:t>6/7/2022</a:t>
             </a:fld>
             <a:endParaRPr lang="es-AR"/>
           </a:p>
@@ -681,7 +681,7 @@
           <a:p>
             <a:fld id="{F093CB79-0A26-4C14-9FB4-B444689E623E}" type="datetimeFigureOut">
               <a:rPr lang="es-AR" smtClean="0"/>
-              <a:t>30/6/2022</a:t>
+              <a:t>6/7/2022</a:t>
             </a:fld>
             <a:endParaRPr lang="es-AR"/>
           </a:p>
@@ -881,7 +881,7 @@
           <a:p>
             <a:fld id="{F093CB79-0A26-4C14-9FB4-B444689E623E}" type="datetimeFigureOut">
               <a:rPr lang="es-AR" smtClean="0"/>
-              <a:t>30/6/2022</a:t>
+              <a:t>6/7/2022</a:t>
             </a:fld>
             <a:endParaRPr lang="es-AR"/>
           </a:p>
@@ -1157,7 +1157,7 @@
           <a:p>
             <a:fld id="{F093CB79-0A26-4C14-9FB4-B444689E623E}" type="datetimeFigureOut">
               <a:rPr lang="es-AR" smtClean="0"/>
-              <a:t>30/6/2022</a:t>
+              <a:t>6/7/2022</a:t>
             </a:fld>
             <a:endParaRPr lang="es-AR"/>
           </a:p>
@@ -1425,7 +1425,7 @@
           <a:p>
             <a:fld id="{F093CB79-0A26-4C14-9FB4-B444689E623E}" type="datetimeFigureOut">
               <a:rPr lang="es-AR" smtClean="0"/>
-              <a:t>30/6/2022</a:t>
+              <a:t>6/7/2022</a:t>
             </a:fld>
             <a:endParaRPr lang="es-AR"/>
           </a:p>
@@ -1840,7 +1840,7 @@
           <a:p>
             <a:fld id="{F093CB79-0A26-4C14-9FB4-B444689E623E}" type="datetimeFigureOut">
               <a:rPr lang="es-AR" smtClean="0"/>
-              <a:t>30/6/2022</a:t>
+              <a:t>6/7/2022</a:t>
             </a:fld>
             <a:endParaRPr lang="es-AR"/>
           </a:p>
@@ -1982,7 +1982,7 @@
           <a:p>
             <a:fld id="{F093CB79-0A26-4C14-9FB4-B444689E623E}" type="datetimeFigureOut">
               <a:rPr lang="es-AR" smtClean="0"/>
-              <a:t>30/6/2022</a:t>
+              <a:t>6/7/2022</a:t>
             </a:fld>
             <a:endParaRPr lang="es-AR"/>
           </a:p>
@@ -2095,7 +2095,7 @@
           <a:p>
             <a:fld id="{F093CB79-0A26-4C14-9FB4-B444689E623E}" type="datetimeFigureOut">
               <a:rPr lang="es-AR" smtClean="0"/>
-              <a:t>30/6/2022</a:t>
+              <a:t>6/7/2022</a:t>
             </a:fld>
             <a:endParaRPr lang="es-AR"/>
           </a:p>
@@ -2408,7 +2408,7 @@
           <a:p>
             <a:fld id="{F093CB79-0A26-4C14-9FB4-B444689E623E}" type="datetimeFigureOut">
               <a:rPr lang="es-AR" smtClean="0"/>
-              <a:t>30/6/2022</a:t>
+              <a:t>6/7/2022</a:t>
             </a:fld>
             <a:endParaRPr lang="es-AR"/>
           </a:p>
@@ -2697,7 +2697,7 @@
           <a:p>
             <a:fld id="{F093CB79-0A26-4C14-9FB4-B444689E623E}" type="datetimeFigureOut">
               <a:rPr lang="es-AR" smtClean="0"/>
-              <a:t>30/6/2022</a:t>
+              <a:t>6/7/2022</a:t>
             </a:fld>
             <a:endParaRPr lang="es-AR"/>
           </a:p>
@@ -2940,7 +2940,7 @@
           <a:p>
             <a:fld id="{F093CB79-0A26-4C14-9FB4-B444689E623E}" type="datetimeFigureOut">
               <a:rPr lang="es-AR" smtClean="0"/>
-              <a:t>30/6/2022</a:t>
+              <a:t>6/7/2022</a:t>
             </a:fld>
             <a:endParaRPr lang="es-AR"/>
           </a:p>
@@ -4324,7 +4324,7 @@
               <a:rPr lang="es-AR" sz="7200" dirty="0">
                 <a:latin typeface="Got to be Real Personal Use" pitchFamily="2" charset="2"/>
               </a:rPr>
-              <a:t>Fundamentación</a:t>
+              <a:t>Accesibilidad</a:t>
             </a:r>
             <a:endParaRPr lang="es-AR" sz="7200" b="1" dirty="0">
               <a:latin typeface="Pristina" panose="03060402040406080204" pitchFamily="66" charset="0"/>
@@ -4384,8 +4384,8 @@
         </p:nvSpPr>
         <p:spPr>
           <a:xfrm>
-            <a:off x="1524000" y="3034297"/>
-            <a:ext cx="9144000" cy="2148494"/>
+            <a:off x="1524000" y="2766594"/>
+            <a:ext cx="9144000" cy="1739993"/>
           </a:xfrm>
           <a:prstGeom prst="rect">
             <a:avLst/>
@@ -4393,7 +4393,7 @@
         </p:spPr>
         <p:txBody>
           <a:bodyPr vert="horz" lIns="91440" tIns="45720" rIns="91440" bIns="45720" rtlCol="0" anchor="b">
-            <a:normAutofit fontScale="92500" lnSpcReduction="20000"/>
+            <a:normAutofit/>
           </a:bodyPr>
           <a:lstStyle>
             <a:lvl1pPr algn="ctr" defTabSz="914400" rtl="0" eaLnBrk="1" latinLnBrk="0" hangingPunct="1">
@@ -4415,16 +4415,13 @@
             </a:lvl1pPr>
           </a:lstStyle>
           <a:p>
-            <a:pPr marL="457200" indent="-457200" algn="l">
-              <a:buFont typeface="Arial" panose="020B0604020202020204" pitchFamily="34" charset="0"/>
-              <a:buChar char="•"/>
-            </a:pPr>
+            <a:pPr algn="l"/>
             <a:r>
               <a:rPr lang="es-MX" sz="3200" i="1" dirty="0">
                 <a:latin typeface="Cambria" panose="02040503050406030204" pitchFamily="18" charset="0"/>
                 <a:ea typeface="Cambria" panose="02040503050406030204" pitchFamily="18" charset="0"/>
               </a:rPr>
-              <a:t>El servicio va cumplir la reglamentación AEA2006 y AEA 90364 de la Asociación de Electrotécnica Argentina, que da unas pautas a cumplir en cualquier instalación eléctrica. Nosotros nos comprometemos a seguir cumpliendo con las normas marcadas por el reglamento </a:t>
+              <a:t>Se busca que el sistema sea lo mas simple y fácil de usar. Que sea de rápido aprendizaje su uso y muy didáctico con sus funciones</a:t>
             </a:r>
             <a:endParaRPr lang="es-AR" sz="3200" i="1" dirty="0">
               <a:latin typeface="Cambria" panose="02040503050406030204" pitchFamily="18" charset="0"/>
@@ -4436,7 +4433,7 @@
     </p:spTree>
     <p:extLst>
       <p:ext uri="{BB962C8B-B14F-4D97-AF65-F5344CB8AC3E}">
-        <p14:creationId xmlns:p14="http://schemas.microsoft.com/office/powerpoint/2010/main" val="4031483996"/>
+        <p14:creationId xmlns:p14="http://schemas.microsoft.com/office/powerpoint/2010/main" val="2174221078"/>
       </p:ext>
     </p:extLst>
   </p:cSld>
@@ -4495,7 +4492,7 @@
               <a:rPr lang="es-AR" sz="7200" dirty="0">
                 <a:latin typeface="Got to be Real Personal Use" pitchFamily="2" charset="2"/>
               </a:rPr>
-              <a:t>Accesibilidad</a:t>
+              <a:t>Fundamentación</a:t>
             </a:r>
             <a:endParaRPr lang="es-AR" sz="7200" b="1" dirty="0">
               <a:latin typeface="Pristina" panose="03060402040406080204" pitchFamily="66" charset="0"/>
@@ -4555,8 +4552,8 @@
         </p:nvSpPr>
         <p:spPr>
           <a:xfrm>
-            <a:off x="1524000" y="2766594"/>
-            <a:ext cx="9144000" cy="1739993"/>
+            <a:off x="1524000" y="3034297"/>
+            <a:ext cx="9144000" cy="2148494"/>
           </a:xfrm>
           <a:prstGeom prst="rect">
             <a:avLst/>
@@ -4564,7 +4561,7 @@
         </p:spPr>
         <p:txBody>
           <a:bodyPr vert="horz" lIns="91440" tIns="45720" rIns="91440" bIns="45720" rtlCol="0" anchor="b">
-            <a:normAutofit/>
+            <a:normAutofit fontScale="92500" lnSpcReduction="20000"/>
           </a:bodyPr>
           <a:lstStyle>
             <a:lvl1pPr algn="ctr" defTabSz="914400" rtl="0" eaLnBrk="1" latinLnBrk="0" hangingPunct="1">
@@ -4586,13 +4583,16 @@
             </a:lvl1pPr>
           </a:lstStyle>
           <a:p>
-            <a:pPr algn="l"/>
+            <a:pPr marL="457200" indent="-457200" algn="l">
+              <a:buFont typeface="Arial" panose="020B0604020202020204" pitchFamily="34" charset="0"/>
+              <a:buChar char="•"/>
+            </a:pPr>
             <a:r>
               <a:rPr lang="es-MX" sz="3200" i="1" dirty="0">
                 <a:latin typeface="Cambria" panose="02040503050406030204" pitchFamily="18" charset="0"/>
                 <a:ea typeface="Cambria" panose="02040503050406030204" pitchFamily="18" charset="0"/>
               </a:rPr>
-              <a:t>Se busca que el sistema sea lo mas simple y fácil de usar. Que sea de rápido aprendizaje su uso y muy didáctico con sus funciones</a:t>
+              <a:t>El servicio va cumplir la reglamentación AEA2006 y AEA 90364 de la Asociación de Electrotécnica Argentina, que da unas pautas a cumplir en cualquier instalación eléctrica. Nosotros nos comprometemos a seguir cumpliendo con las normas marcadas por el reglamento </a:t>
             </a:r>
             <a:endParaRPr lang="es-AR" sz="3200" i="1" dirty="0">
               <a:latin typeface="Cambria" panose="02040503050406030204" pitchFamily="18" charset="0"/>
@@ -4604,7 +4604,7 @@
     </p:spTree>
     <p:extLst>
       <p:ext uri="{BB962C8B-B14F-4D97-AF65-F5344CB8AC3E}">
-        <p14:creationId xmlns:p14="http://schemas.microsoft.com/office/powerpoint/2010/main" val="2174221078"/>
+        <p14:creationId xmlns:p14="http://schemas.microsoft.com/office/powerpoint/2010/main" val="4031483996"/>
       </p:ext>
     </p:extLst>
   </p:cSld>
@@ -4735,7 +4735,7 @@
         </p:blipFill>
         <p:spPr>
           <a:xfrm>
-            <a:off x="2707341" y="1636926"/>
+            <a:off x="2129117" y="1583138"/>
             <a:ext cx="7933765" cy="4374935"/>
           </a:xfrm>
           <a:prstGeom prst="rect">
@@ -4865,8 +4865,8 @@
         </p:nvSpPr>
         <p:spPr>
           <a:xfrm>
-            <a:off x="1524000" y="2594092"/>
-            <a:ext cx="9144000" cy="2011035"/>
+            <a:off x="1524000" y="2572871"/>
+            <a:ext cx="9144000" cy="1954305"/>
           </a:xfrm>
           <a:prstGeom prst="rect">
             <a:avLst/>
@@ -4902,7 +4902,7 @@
                 <a:latin typeface="Cambria" panose="02040503050406030204" pitchFamily="18" charset="0"/>
                 <a:ea typeface="Cambria" panose="02040503050406030204" pitchFamily="18" charset="0"/>
               </a:rPr>
-              <a:t>Esta pensado como un servicio de costo mensual. Una vez terminada sus fases de testeo, estaría pensado para salir al mercado. Se hace el producto en base a la producción masiva de este</a:t>
+              <a:t>Esta pensado como un servicio de costo mensual, aun así inicialmente debería pagar un costo por el hardware. El producto esta pensado para la producción de este</a:t>
             </a:r>
             <a:endParaRPr lang="es-AR" sz="3200" i="1" dirty="0">
               <a:latin typeface="Cambria" panose="02040503050406030204" pitchFamily="18" charset="0"/>
@@ -5033,7 +5033,7 @@
         </p:nvSpPr>
         <p:spPr>
           <a:xfrm>
-            <a:off x="1524000" y="2272554"/>
+            <a:off x="1524000" y="1995862"/>
             <a:ext cx="9144000" cy="3375212"/>
           </a:xfrm>
           <a:prstGeom prst="rect">
@@ -5070,7 +5070,7 @@
                 <a:latin typeface="Cambria" panose="02040503050406030204" pitchFamily="18" charset="0"/>
                 <a:ea typeface="Cambria" panose="02040503050406030204" pitchFamily="18" charset="0"/>
               </a:rPr>
-              <a:t>Nuestra propuesta de valor es competir con calidad y precios realmente económicos, se estima un 50% menor costo que cualquier otro sistema en el mercado. Al ser un servicio aseguramos al cliente que este sistema perdurara sobre el tiempo y esto nos asegura una escalabilidad en el servicio.</a:t>
+              <a:t>Nuestra propuesta de valor es competir con calidad y precios realmente económicos. Al ser un servicio aseguramos al cliente que este sistema perdurara sobre el tiempo y esto nos asegura una escalabilidad en el servicio.</a:t>
             </a:r>
             <a:br>
               <a:rPr lang="es-MX" sz="3200" i="1" dirty="0">
